--- a/TP6/D presentacion/Presentación-Grupo 2 -Proyecto 2 IoT_ESP32_Bluetooth Ble.pptx
+++ b/TP6/D presentacion/Presentación-Grupo 2 -Proyecto 2 IoT_ESP32_Bluetooth Ble.pptx
@@ -350,7 +350,7 @@
     </p:spTree>
     <p:extLst>
       <p:ext uri="{BB962C8B-B14F-4D97-AF65-F5344CB8AC3E}">
-        <p14:creationId xmlns="" xmlns:p14="http://schemas.microsoft.com/office/powerpoint/2010/main" val="3168075583"/>
+        <p14:creationId xmlns:p14="http://schemas.microsoft.com/office/powerpoint/2010/main" xmlns="" val="3168075583"/>
       </p:ext>
     </p:extLst>
   </p:cSld>
@@ -522,7 +522,7 @@
     </p:spTree>
     <p:extLst>
       <p:ext uri="{BB962C8B-B14F-4D97-AF65-F5344CB8AC3E}">
-        <p14:creationId xmlns="" xmlns:p14="http://schemas.microsoft.com/office/powerpoint/2010/main" val="2910927964"/>
+        <p14:creationId xmlns:p14="http://schemas.microsoft.com/office/powerpoint/2010/main" xmlns="" val="2910927964"/>
       </p:ext>
     </p:extLst>
   </p:cSld>
@@ -704,7 +704,7 @@
     </p:spTree>
     <p:extLst>
       <p:ext uri="{BB962C8B-B14F-4D97-AF65-F5344CB8AC3E}">
-        <p14:creationId xmlns="" xmlns:p14="http://schemas.microsoft.com/office/powerpoint/2010/main" val="3612223792"/>
+        <p14:creationId xmlns:p14="http://schemas.microsoft.com/office/powerpoint/2010/main" xmlns="" val="3612223792"/>
       </p:ext>
     </p:extLst>
   </p:cSld>
@@ -876,7 +876,7 @@
     </p:spTree>
     <p:extLst>
       <p:ext uri="{BB962C8B-B14F-4D97-AF65-F5344CB8AC3E}">
-        <p14:creationId xmlns="" xmlns:p14="http://schemas.microsoft.com/office/powerpoint/2010/main" val="2614314258"/>
+        <p14:creationId xmlns:p14="http://schemas.microsoft.com/office/powerpoint/2010/main" xmlns="" val="2614314258"/>
       </p:ext>
     </p:extLst>
   </p:cSld>
@@ -1124,7 +1124,7 @@
     </p:spTree>
     <p:extLst>
       <p:ext uri="{BB962C8B-B14F-4D97-AF65-F5344CB8AC3E}">
-        <p14:creationId xmlns="" xmlns:p14="http://schemas.microsoft.com/office/powerpoint/2010/main" val="960648375"/>
+        <p14:creationId xmlns:p14="http://schemas.microsoft.com/office/powerpoint/2010/main" xmlns="" val="960648375"/>
       </p:ext>
     </p:extLst>
   </p:cSld>
@@ -1414,7 +1414,7 @@
     </p:spTree>
     <p:extLst>
       <p:ext uri="{BB962C8B-B14F-4D97-AF65-F5344CB8AC3E}">
-        <p14:creationId xmlns="" xmlns:p14="http://schemas.microsoft.com/office/powerpoint/2010/main" val="2782244947"/>
+        <p14:creationId xmlns:p14="http://schemas.microsoft.com/office/powerpoint/2010/main" xmlns="" val="2782244947"/>
       </p:ext>
     </p:extLst>
   </p:cSld>
@@ -1838,7 +1838,7 @@
     </p:spTree>
     <p:extLst>
       <p:ext uri="{BB962C8B-B14F-4D97-AF65-F5344CB8AC3E}">
-        <p14:creationId xmlns="" xmlns:p14="http://schemas.microsoft.com/office/powerpoint/2010/main" val="990158736"/>
+        <p14:creationId xmlns:p14="http://schemas.microsoft.com/office/powerpoint/2010/main" xmlns="" val="990158736"/>
       </p:ext>
     </p:extLst>
   </p:cSld>
@@ -1958,7 +1958,7 @@
     </p:spTree>
     <p:extLst>
       <p:ext uri="{BB962C8B-B14F-4D97-AF65-F5344CB8AC3E}">
-        <p14:creationId xmlns="" xmlns:p14="http://schemas.microsoft.com/office/powerpoint/2010/main" val="727027711"/>
+        <p14:creationId xmlns:p14="http://schemas.microsoft.com/office/powerpoint/2010/main" xmlns="" val="727027711"/>
       </p:ext>
     </p:extLst>
   </p:cSld>
@@ -2055,7 +2055,7 @@
     </p:spTree>
     <p:extLst>
       <p:ext uri="{BB962C8B-B14F-4D97-AF65-F5344CB8AC3E}">
-        <p14:creationId xmlns="" xmlns:p14="http://schemas.microsoft.com/office/powerpoint/2010/main" val="1212999818"/>
+        <p14:creationId xmlns:p14="http://schemas.microsoft.com/office/powerpoint/2010/main" xmlns="" val="1212999818"/>
       </p:ext>
     </p:extLst>
   </p:cSld>
@@ -2334,7 +2334,7 @@
     </p:spTree>
     <p:extLst>
       <p:ext uri="{BB962C8B-B14F-4D97-AF65-F5344CB8AC3E}">
-        <p14:creationId xmlns="" xmlns:p14="http://schemas.microsoft.com/office/powerpoint/2010/main" val="1840726560"/>
+        <p14:creationId xmlns:p14="http://schemas.microsoft.com/office/powerpoint/2010/main" xmlns="" val="1840726560"/>
       </p:ext>
     </p:extLst>
   </p:cSld>
@@ -2589,7 +2589,7 @@
     </p:spTree>
     <p:extLst>
       <p:ext uri="{BB962C8B-B14F-4D97-AF65-F5344CB8AC3E}">
-        <p14:creationId xmlns="" xmlns:p14="http://schemas.microsoft.com/office/powerpoint/2010/main" val="3889236939"/>
+        <p14:creationId xmlns:p14="http://schemas.microsoft.com/office/powerpoint/2010/main" xmlns="" val="3889236939"/>
       </p:ext>
     </p:extLst>
   </p:cSld>
@@ -2845,7 +2845,7 @@
     </p:spTree>
     <p:extLst>
       <p:ext uri="{BB962C8B-B14F-4D97-AF65-F5344CB8AC3E}">
-        <p14:creationId xmlns="" xmlns:p14="http://schemas.microsoft.com/office/powerpoint/2010/main" val="2209977519"/>
+        <p14:creationId xmlns:p14="http://schemas.microsoft.com/office/powerpoint/2010/main" xmlns="" val="2209977519"/>
       </p:ext>
     </p:extLst>
   </p:cSld>
@@ -3305,73 +3305,41 @@
             <p:ph type="title"/>
           </p:nvPr>
         </p:nvSpPr>
-        <p:spPr/>
-        <p:txBody>
-          <a:bodyPr/>
-          <a:lstStyle/>
-          <a:p>
-            <a:endParaRPr lang="es-ES"/>
-          </a:p>
-        </p:txBody>
-      </p:sp>
-      <p:sp>
-        <p:nvSpPr>
-          <p:cNvPr id="3" name="2 Marcador de contenido"/>
-          <p:cNvSpPr>
-            <a:spLocks noGrp="1"/>
-          </p:cNvSpPr>
-          <p:nvPr>
-            <p:ph idx="1"/>
-          </p:nvPr>
-        </p:nvSpPr>
         <p:spPr>
           <a:xfrm>
-            <a:off x="457200" y="274638"/>
-            <a:ext cx="8229600" cy="5851525"/>
+            <a:off x="457200" y="274637"/>
+            <a:ext cx="8229600" cy="5640025"/>
           </a:xfrm>
         </p:spPr>
         <p:txBody>
-          <a:bodyPr/>
-          <a:lstStyle/>
-          <a:p>
-            <a:pPr>
-              <a:buNone/>
-            </a:pPr>
-            <a:endParaRPr lang="es-MX" dirty="0" smtClean="0"/>
-          </a:p>
-          <a:p>
-            <a:pPr>
-              <a:buNone/>
-            </a:pPr>
-            <a:endParaRPr lang="es-MX" dirty="0" smtClean="0"/>
-          </a:p>
-          <a:p>
-            <a:pPr algn="ctr">
-              <a:buNone/>
-            </a:pPr>
-            <a:endParaRPr lang="es-MX" dirty="0" smtClean="0"/>
-          </a:p>
-          <a:p>
-            <a:pPr algn="ctr">
-              <a:buNone/>
-            </a:pPr>
-            <a:endParaRPr lang="es-MX" sz="4800" dirty="0" smtClean="0"/>
-          </a:p>
-          <a:p>
-            <a:pPr algn="ctr">
-              <a:buNone/>
-            </a:pPr>
+          <a:bodyPr>
+            <a:normAutofit/>
+          </a:bodyPr>
+          <a:lstStyle/>
+          <a:p>
             <a:r>
               <a:rPr lang="es-MX" sz="6600" dirty="0" smtClean="0"/>
-              <a:t>Muchas Gracias</a:t>
-            </a:r>
-            <a:endParaRPr lang="es-ES" sz="6600" dirty="0" smtClean="0"/>
-          </a:p>
-          <a:p>
-            <a:pPr>
-              <a:buNone/>
-            </a:pPr>
-            <a:endParaRPr lang="es-ES" sz="4800" dirty="0"/>
+              <a:t/>
+            </a:r>
+            <a:br>
+              <a:rPr lang="es-MX" sz="6600" dirty="0" smtClean="0"/>
+            </a:br>
+            <a:r>
+              <a:rPr lang="es-MX" sz="6600" dirty="0" smtClean="0"/>
+              <a:t>Muchas </a:t>
+            </a:r>
+            <a:r>
+              <a:rPr lang="es-MX" sz="6600" dirty="0" smtClean="0"/>
+              <a:t>Gracias</a:t>
+            </a:r>
+            <a:r>
+              <a:rPr lang="es-ES" sz="6600" dirty="0" smtClean="0"/>
+              <a:t/>
+            </a:r>
+            <a:br>
+              <a:rPr lang="es-ES" sz="6600" dirty="0" smtClean="0"/>
+            </a:br>
+            <a:endParaRPr lang="es-ES" sz="6600" dirty="0"/>
           </a:p>
         </p:txBody>
       </p:sp>
